--- a/Sevilla Xamarin Dev Day/01. Xamarin for everyone.pptx
+++ b/Sevilla Xamarin Dev Day/01. Xamarin for everyone.pptx
@@ -218,7 +218,7 @@
           <a:p>
             <a:fld id="{A334C884-B1D7-A043-A4AA-521744755A4B}" type="datetimeFigureOut">
               <a:rPr lang="en-US" smtClean="0"/>
-              <a:t>4/2/2016</a:t>
+              <a:t>4/5/2016</a:t>
             </a:fld>
             <a:endParaRPr lang="en-US"/>
           </a:p>
@@ -693,7 +693,7 @@
                 </a:solidFill>
               </a:rPr>
               <a:pPr/>
-              <a:t>4/2/2016</a:t>
+              <a:t>4/5/2016</a:t>
             </a:fld>
             <a:endParaRPr lang="en-US" dirty="0">
               <a:solidFill>
@@ -872,7 +872,7 @@
                 </a:solidFill>
               </a:rPr>
               <a:pPr/>
-              <a:t>4/2/2016</a:t>
+              <a:t>4/5/2016</a:t>
             </a:fld>
             <a:endParaRPr lang="en-US" dirty="0">
               <a:solidFill>
@@ -2114,7 +2114,7 @@
           <a:p>
             <a:fld id="{99593593-8839-4E61-A88E-A10B7ED6919B}" type="datetimeFigureOut">
               <a:rPr lang="es-ES" smtClean="0"/>
-              <a:t>02/04/2016</a:t>
+              <a:t>05/04/2016</a:t>
             </a:fld>
             <a:endParaRPr lang="es-ES"/>
           </a:p>
@@ -5184,6 +5184,47 @@
           </a:prstGeom>
         </p:spPr>
       </p:pic>
+      <p:pic>
+        <p:nvPicPr>
+          <p:cNvPr id="1026" name="Picture 2" descr="http://www.shemazing.net/wp-content/uploads/2015/11/oprah6.gif"/>
+          <p:cNvPicPr>
+            <a:picLocks noChangeAspect="1" noChangeArrowheads="1" noCrop="1"/>
+          </p:cNvPicPr>
+          <p:nvPr/>
+        </p:nvPicPr>
+        <p:blipFill>
+          <a:blip r:embed="rId4">
+            <a:extLst>
+              <a:ext uri="{28A0092B-C50C-407E-A947-70E740481C1C}">
+                <a14:useLocalDpi xmlns:a14="http://schemas.microsoft.com/office/drawing/2010/main" val="0"/>
+              </a:ext>
+            </a:extLst>
+          </a:blip>
+          <a:srcRect/>
+          <a:stretch>
+            <a:fillRect/>
+          </a:stretch>
+        </p:blipFill>
+        <p:spPr bwMode="auto">
+          <a:xfrm>
+            <a:off x="2034748" y="1142996"/>
+            <a:ext cx="8124825" cy="5523280"/>
+          </a:xfrm>
+          <a:prstGeom prst="rect">
+            <a:avLst/>
+          </a:prstGeom>
+          <a:noFill/>
+          <a:extLst>
+            <a:ext uri="{909E8E84-426E-40DD-AFC4-6F175D3DCCD1}">
+              <a14:hiddenFill xmlns:a14="http://schemas.microsoft.com/office/drawing/2010/main">
+                <a:solidFill>
+                  <a:srgbClr val="FFFFFF"/>
+                </a:solidFill>
+              </a14:hiddenFill>
+            </a:ext>
+          </a:extLst>
+        </p:spPr>
+      </p:pic>
     </p:spTree>
     <p:extLst>
       <p:ext uri="{BB962C8B-B14F-4D97-AF65-F5344CB8AC3E}">
@@ -5289,6 +5330,97 @@
                                         <p:tav tm="0">
                                           <p:val>
                                             <p:strVal val="#ppt_y+.1"/>
+                                          </p:val>
+                                        </p:tav>
+                                        <p:tav tm="100000">
+                                          <p:val>
+                                            <p:strVal val="#ppt_y"/>
+                                          </p:val>
+                                        </p:tav>
+                                      </p:tavLst>
+                                    </p:anim>
+                                  </p:childTnLst>
+                                </p:cTn>
+                              </p:par>
+                            </p:childTnLst>
+                          </p:cTn>
+                        </p:par>
+                      </p:childTnLst>
+                    </p:cTn>
+                  </p:par>
+                  <p:par>
+                    <p:cTn id="10" fill="hold">
+                      <p:stCondLst>
+                        <p:cond delay="indefinite"/>
+                      </p:stCondLst>
+                      <p:childTnLst>
+                        <p:par>
+                          <p:cTn id="11" fill="hold">
+                            <p:stCondLst>
+                              <p:cond delay="0"/>
+                            </p:stCondLst>
+                            <p:childTnLst>
+                              <p:par>
+                                <p:cTn id="12" presetID="2" presetClass="entr" presetSubtype="4" fill="hold" nodeType="clickEffect">
+                                  <p:stCondLst>
+                                    <p:cond delay="0"/>
+                                  </p:stCondLst>
+                                  <p:childTnLst>
+                                    <p:set>
+                                      <p:cBhvr>
+                                        <p:cTn id="13" dur="1" fill="hold">
+                                          <p:stCondLst>
+                                            <p:cond delay="0"/>
+                                          </p:stCondLst>
+                                        </p:cTn>
+                                        <p:tgtEl>
+                                          <p:spTgt spid="1026"/>
+                                        </p:tgtEl>
+                                        <p:attrNameLst>
+                                          <p:attrName>style.visibility</p:attrName>
+                                        </p:attrNameLst>
+                                      </p:cBhvr>
+                                      <p:to>
+                                        <p:strVal val="visible"/>
+                                      </p:to>
+                                    </p:set>
+                                    <p:anim calcmode="lin" valueType="num">
+                                      <p:cBhvr additive="base">
+                                        <p:cTn id="14" dur="500" fill="hold"/>
+                                        <p:tgtEl>
+                                          <p:spTgt spid="1026"/>
+                                        </p:tgtEl>
+                                        <p:attrNameLst>
+                                          <p:attrName>ppt_x</p:attrName>
+                                        </p:attrNameLst>
+                                      </p:cBhvr>
+                                      <p:tavLst>
+                                        <p:tav tm="0">
+                                          <p:val>
+                                            <p:strVal val="#ppt_x"/>
+                                          </p:val>
+                                        </p:tav>
+                                        <p:tav tm="100000">
+                                          <p:val>
+                                            <p:strVal val="#ppt_x"/>
+                                          </p:val>
+                                        </p:tav>
+                                      </p:tavLst>
+                                    </p:anim>
+                                    <p:anim calcmode="lin" valueType="num">
+                                      <p:cBhvr additive="base">
+                                        <p:cTn id="15" dur="500" fill="hold"/>
+                                        <p:tgtEl>
+                                          <p:spTgt spid="1026"/>
+                                        </p:tgtEl>
+                                        <p:attrNameLst>
+                                          <p:attrName>ppt_y</p:attrName>
+                                        </p:attrNameLst>
+                                      </p:cBhvr>
+                                      <p:tavLst>
+                                        <p:tav tm="0">
+                                          <p:val>
+                                            <p:strVal val="1+#ppt_h/2"/>
                                           </p:val>
                                         </p:tav>
                                         <p:tav tm="100000">
@@ -7722,14 +7854,14 @@
             </a:ln>
             <a:extLst>
               <a:ext uri="{909E8E84-426E-40dd-AFC4-6F175D3DCCD1}">
-                <a14:hiddenFill xmlns:a14="http://schemas.microsoft.com/office/drawing/2010/main" xmlns="">
+                <a14:hiddenFill xmlns="" xmlns:a14="http://schemas.microsoft.com/office/drawing/2010/main">
                   <a:solidFill>
                     <a:srgbClr val="FFFFFF"/>
                   </a:solidFill>
                 </a14:hiddenFill>
               </a:ext>
               <a:ext uri="{91240B29-F687-4f45-9708-019B960494DF}">
-                <a14:hiddenLine xmlns:a14="http://schemas.microsoft.com/office/drawing/2010/main" xmlns="" w="9525">
+                <a14:hiddenLine xmlns="" xmlns:a14="http://schemas.microsoft.com/office/drawing/2010/main" w="9525">
                   <a:solidFill>
                     <a:srgbClr val="000000"/>
                   </a:solidFill>
@@ -7936,14 +8068,14 @@
             </a:ln>
             <a:extLst>
               <a:ext uri="{909E8E84-426E-40dd-AFC4-6F175D3DCCD1}">
-                <a14:hiddenFill xmlns:a14="http://schemas.microsoft.com/office/drawing/2010/main" xmlns="">
+                <a14:hiddenFill xmlns="" xmlns:a14="http://schemas.microsoft.com/office/drawing/2010/main">
                   <a:solidFill>
                     <a:srgbClr val="FFFFFF"/>
                   </a:solidFill>
                 </a14:hiddenFill>
               </a:ext>
               <a:ext uri="{91240B29-F687-4f45-9708-019B960494DF}">
-                <a14:hiddenLine xmlns:a14="http://schemas.microsoft.com/office/drawing/2010/main" xmlns="" w="9525">
+                <a14:hiddenLine xmlns="" xmlns:a14="http://schemas.microsoft.com/office/drawing/2010/main" w="9525">
                   <a:solidFill>
                     <a:srgbClr val="000000"/>
                   </a:solidFill>
